--- a/BDT-Project-Presentation.pptx
+++ b/BDT-Project-Presentation.pptx
@@ -222,7 +222,7 @@
           <a:p>
             <a:fld id="{7487ADD9-2083-264C-A652-8D52D02F7E72}" type="datetimeFigureOut">
               <a:rPr lang="en-US" smtClean="0"/>
-              <a:t>9/24/2022</a:t>
+              <a:t>9/25/2022</a:t>
             </a:fld>
             <a:endParaRPr lang="en-US" dirty="0"/>
           </a:p>
@@ -1879,7 +1879,7 @@
             <a:fld id="{5F02DCD1-2C6B-F948-9F72-3BB0CF3D512E}" type="datetime1">
               <a:rPr lang="en-US" smtClean="0"/>
               <a:pPr/>
-              <a:t>9/24/2022</a:t>
+              <a:t>9/25/2022</a:t>
             </a:fld>
             <a:endParaRPr lang="en-US" dirty="0"/>
           </a:p>
@@ -2764,7 +2764,7 @@
             <a:fld id="{C1583C39-01BF-7F43-854C-FBB4E9AB6B0C}" type="datetime1">
               <a:rPr lang="en-US" smtClean="0"/>
               <a:pPr/>
-              <a:t>9/24/2022</a:t>
+              <a:t>9/25/2022</a:t>
             </a:fld>
             <a:endParaRPr lang="en-US" dirty="0"/>
           </a:p>
@@ -3941,7 +3941,7 @@
             <a:fld id="{4B103E64-1627-9140-8127-1849FED275E1}" type="datetime1">
               <a:rPr lang="en-US" smtClean="0"/>
               <a:pPr/>
-              <a:t>9/24/2022</a:t>
+              <a:t>9/25/2022</a:t>
             </a:fld>
             <a:endParaRPr lang="en-US" dirty="0"/>
           </a:p>
@@ -6021,7 +6021,7 @@
             <a:fld id="{DD9C8446-696E-6942-B6C8-CC9CAD0B34E0}" type="datetime1">
               <a:rPr lang="en-US" smtClean="0"/>
               <a:pPr/>
-              <a:t>9/24/2022</a:t>
+              <a:t>9/25/2022</a:t>
             </a:fld>
             <a:endParaRPr lang="en-US" dirty="0"/>
           </a:p>
@@ -6739,7 +6739,7 @@
             <a:fld id="{F5592931-05C6-8543-8B6E-A8BD29BD5C2B}" type="datetime1">
               <a:rPr lang="en-US" smtClean="0"/>
               <a:pPr/>
-              <a:t>9/24/2022</a:t>
+              <a:t>9/25/2022</a:t>
             </a:fld>
             <a:endParaRPr lang="en-US" dirty="0"/>
           </a:p>
@@ -7967,7 +7967,7 @@
             <a:fld id="{7E7AB22C-8B7E-9B4A-8C65-396C3C874D86}" type="datetime1">
               <a:rPr lang="en-US" smtClean="0"/>
               <a:pPr/>
-              <a:t>9/24/2022</a:t>
+              <a:t>9/25/2022</a:t>
             </a:fld>
             <a:endParaRPr lang="en-US" dirty="0"/>
           </a:p>
@@ -8559,7 +8559,7 @@
             <a:fld id="{8CE9AC2A-20AD-8C48-B5EB-B5322BDBCDEE}" type="datetime1">
               <a:rPr lang="en-US" smtClean="0"/>
               <a:pPr/>
-              <a:t>9/24/2022</a:t>
+              <a:t>9/25/2022</a:t>
             </a:fld>
             <a:endParaRPr lang="en-US" dirty="0"/>
           </a:p>
@@ -9032,7 +9032,7 @@
             <a:fld id="{4CF75428-5BE0-934D-BB71-675F8E23A386}" type="datetime1">
               <a:rPr lang="en-US" smtClean="0"/>
               <a:pPr/>
-              <a:t>9/24/2022</a:t>
+              <a:t>9/25/2022</a:t>
             </a:fld>
             <a:endParaRPr lang="en-US" dirty="0"/>
           </a:p>
@@ -9882,7 +9882,7 @@
             <a:fld id="{9A85C5CA-AE29-AB4C-8F85-0373C72001D8}" type="datetime1">
               <a:rPr lang="en-US" smtClean="0"/>
               <a:pPr/>
-              <a:t>9/24/2022</a:t>
+              <a:t>9/25/2022</a:t>
             </a:fld>
             <a:endParaRPr lang="en-US" dirty="0"/>
           </a:p>
@@ -12107,7 +12107,7 @@
             <a:fld id="{75594855-01E8-5A4B-B2B8-E2ECEF879100}" type="datetime1">
               <a:rPr lang="en-US" smtClean="0"/>
               <a:pPr/>
-              <a:t>9/24/2022</a:t>
+              <a:t>9/25/2022</a:t>
             </a:fld>
             <a:endParaRPr lang="en-US" dirty="0"/>
           </a:p>
@@ -12376,7 +12376,7 @@
             <a:fld id="{B562DF68-3089-814D-8A14-C651FE91885E}" type="datetime1">
               <a:rPr lang="en-US" smtClean="0"/>
               <a:pPr/>
-              <a:t>9/24/2022</a:t>
+              <a:t>9/25/2022</a:t>
             </a:fld>
             <a:endParaRPr lang="en-US" dirty="0"/>
           </a:p>
@@ -12992,8 +12992,8 @@
         </p:nvSpPr>
         <p:spPr>
           <a:xfrm>
-            <a:off x="7717327" y="3942227"/>
-            <a:ext cx="4211440" cy="806675"/>
+            <a:off x="7412182" y="3942227"/>
+            <a:ext cx="4516585" cy="806675"/>
           </a:xfrm>
           <a:prstGeom prst="rect">
             <a:avLst/>
@@ -13170,7 +13170,7 @@
           <a:p>
             <a:r>
               <a:rPr lang="en-US" sz="2400" dirty="0"/>
-              <a:t>Mentor: </a:t>
+              <a:t>Mentor: Prof. </a:t>
             </a:r>
             <a:r>
               <a:rPr lang="en-US" sz="2400" dirty="0" err="1"/>
@@ -13924,7 +13924,7 @@
           <a:p>
             <a:fld id="{C098A06B-52D8-C143-AE54-C8C950480C5A}" type="datetime1">
               <a:rPr lang="en-US" smtClean="0"/>
-              <a:t>9/24/2022</a:t>
+              <a:t>9/25/2022</a:t>
             </a:fld>
             <a:endParaRPr lang="en-US" dirty="0"/>
           </a:p>
@@ -14571,7 +14571,7 @@
             <a:fld id="{495D8227-9DE4-4D42-8C1B-E10C828BC634}" type="datetime1">
               <a:rPr lang="en-US" smtClean="0"/>
               <a:pPr/>
-              <a:t>9/24/2022</a:t>
+              <a:t>9/25/2022</a:t>
             </a:fld>
             <a:endParaRPr lang="en-US" dirty="0"/>
           </a:p>
@@ -14737,7 +14737,7 @@
             <a:fld id="{52D104B6-D63E-FE41-98E2-AF7FB6EA6483}" type="datetime1">
               <a:rPr lang="en-US" smtClean="0"/>
               <a:pPr/>
-              <a:t>9/24/2022</a:t>
+              <a:t>9/25/2022</a:t>
             </a:fld>
             <a:endParaRPr lang="en-US" dirty="0"/>
           </a:p>
@@ -15045,7 +15045,7 @@
           <a:p>
             <a:fld id="{C098A06B-52D8-C143-AE54-C8C950480C5A}" type="datetime1">
               <a:rPr lang="en-US" smtClean="0"/>
-              <a:t>9/24/2022</a:t>
+              <a:t>9/25/2022</a:t>
             </a:fld>
             <a:endParaRPr lang="en-US" dirty="0"/>
           </a:p>
@@ -15311,7 +15311,7 @@
             <a:fld id="{52D104B6-D63E-FE41-98E2-AF7FB6EA6483}" type="datetime1">
               <a:rPr lang="en-US" smtClean="0"/>
               <a:pPr/>
-              <a:t>9/24/2022</a:t>
+              <a:t>9/25/2022</a:t>
             </a:fld>
             <a:endParaRPr lang="en-US" dirty="0"/>
           </a:p>
@@ -16244,7 +16244,7 @@
             <a:fld id="{52D104B6-D63E-FE41-98E2-AF7FB6EA6483}" type="datetime1">
               <a:rPr lang="en-US" smtClean="0"/>
               <a:pPr/>
-              <a:t>9/24/2022</a:t>
+              <a:t>9/25/2022</a:t>
             </a:fld>
             <a:endParaRPr lang="en-US" dirty="0"/>
           </a:p>
@@ -16491,7 +16491,7 @@
             <a:fld id="{52D104B6-D63E-FE41-98E2-AF7FB6EA6483}" type="datetime1">
               <a:rPr lang="en-US" smtClean="0"/>
               <a:pPr/>
-              <a:t>9/24/2022</a:t>
+              <a:t>9/25/2022</a:t>
             </a:fld>
             <a:r>
               <a:rPr lang="en-US" dirty="0"/>
@@ -16893,7 +16893,7 @@
             <a:fld id="{52D104B6-D63E-FE41-98E2-AF7FB6EA6483}" type="datetime1">
               <a:rPr lang="en-US" smtClean="0"/>
               <a:pPr/>
-              <a:t>9/24/2022</a:t>
+              <a:t>9/25/2022</a:t>
             </a:fld>
             <a:endParaRPr lang="en-US" dirty="0"/>
           </a:p>
@@ -17975,15 +17975,6 @@
 </file>
 
 <file path=customXml/item1.xml><?xml version="1.0" encoding="utf-8"?>
-<?mso-contentType ?>
-<FormTemplates xmlns="http://schemas.microsoft.com/sharepoint/v3/contenttype/forms">
-  <Display>DocumentLibraryForm</Display>
-  <Edit>DocumentLibraryForm</Edit>
-  <New>DocumentLibraryForm</New>
-</FormTemplates>
-</file>
-
-<file path=customXml/item2.xml><?xml version="1.0" encoding="utf-8"?>
 <p:properties xmlns:p="http://schemas.microsoft.com/office/2006/metadata/properties" xmlns:xsi="http://www.w3.org/2001/XMLSchema-instance" xmlns:pc="http://schemas.microsoft.com/office/infopath/2007/PartnerControls">
   <documentManagement>
     <_ip_UnifiedCompliancePolicyUIAction xmlns="http://schemas.microsoft.com/sharepoint/v3" xsi:nil="true"/>
@@ -18000,6 +17991,15 @@
     <MediaServiceKeyPoints xmlns="71af3243-3dd4-4a8d-8c0d-dd76da1f02a5" xsi:nil="true"/>
   </documentManagement>
 </p:properties>
+</file>
+
+<file path=customXml/item2.xml><?xml version="1.0" encoding="utf-8"?>
+<?mso-contentType ?>
+<FormTemplates xmlns="http://schemas.microsoft.com/sharepoint/v3/contenttype/forms">
+  <Display>DocumentLibraryForm</Display>
+  <Edit>DocumentLibraryForm</Edit>
+  <New>DocumentLibraryForm</New>
+</FormTemplates>
 </file>
 
 <file path=customXml/item3.xml><?xml version="1.0" encoding="utf-8"?>
@@ -18285,14 +18285,6 @@
 </file>
 
 <file path=customXml/itemProps1.xml><?xml version="1.0" encoding="utf-8"?>
-<ds:datastoreItem xmlns:ds="http://schemas.openxmlformats.org/officeDocument/2006/customXml" ds:itemID="{85334180-0405-413B-834A-44FA9E05ADB7}">
-  <ds:schemaRefs>
-    <ds:schemaRef ds:uri="http://schemas.microsoft.com/sharepoint/v3/contenttype/forms"/>
-  </ds:schemaRefs>
-</ds:datastoreItem>
-</file>
-
-<file path=customXml/itemProps2.xml><?xml version="1.0" encoding="utf-8"?>
 <ds:datastoreItem xmlns:ds="http://schemas.openxmlformats.org/officeDocument/2006/customXml" ds:itemID="{4D5BAB77-79E1-4739-AA51-10C9079186D6}">
   <ds:schemaRefs>
     <ds:schemaRef ds:uri="http://schemas.microsoft.com/office/2006/metadata/properties"/>
@@ -18300,6 +18292,14 @@
     <ds:schemaRef ds:uri="http://schemas.microsoft.com/sharepoint/v3"/>
     <ds:schemaRef ds:uri="71af3243-3dd4-4a8d-8c0d-dd76da1f02a5"/>
     <ds:schemaRef ds:uri="230e9df3-be65-4c73-a93b-d1236ebd677e"/>
+  </ds:schemaRefs>
+</ds:datastoreItem>
+</file>
+
+<file path=customXml/itemProps2.xml><?xml version="1.0" encoding="utf-8"?>
+<ds:datastoreItem xmlns:ds="http://schemas.openxmlformats.org/officeDocument/2006/customXml" ds:itemID="{85334180-0405-413B-834A-44FA9E05ADB7}">
+  <ds:schemaRefs>
+    <ds:schemaRef ds:uri="http://schemas.microsoft.com/sharepoint/v3/contenttype/forms"/>
   </ds:schemaRefs>
 </ds:datastoreItem>
 </file>
